--- a/kubernetes/08_helm.pptx
+++ b/kubernetes/08_helm.pptx
@@ -193,6 +193,10 @@
 </p:presentation>
 </file>
 
+<file path=ppt/revisionInfo.xml><?xml version="1.0" encoding="utf-8"?>
+<p1510:revInfo xmlns:a="http://schemas.openxmlformats.org/drawingml/2006/main" xmlns:r="http://schemas.openxmlformats.org/officeDocument/2006/relationships" xmlns:p1510="http://schemas.microsoft.com/office/powerpoint/2015/10/main"/>
+</file>
+
 <file path=ppt/handoutMasters/handoutMaster1.xml><?xml version="1.0" encoding="utf-8"?>
 <p:handoutMaster xmlns:a="http://schemas.openxmlformats.org/drawingml/2006/main" xmlns:r="http://schemas.openxmlformats.org/officeDocument/2006/relationships" xmlns:p="http://schemas.openxmlformats.org/presentationml/2006/main">
   <p:cSld>
@@ -735,6 +739,62 @@
           <a:bodyPr/>
           <a:lstStyle/>
           <a:p>
+            <a:r>
+              <a:rPr lang="en-US" dirty="0"/>
+              <a:t>Helm has to components, the locally running client and the tiller-server. When you run “helm </a:t>
+            </a:r>
+            <a:r>
+              <a:rPr lang="en-US" dirty="0" err="1"/>
+              <a:t>init</a:t>
+            </a:r>
+            <a:r>
+              <a:rPr lang="en-US" dirty="0"/>
+              <a:t>” it will try to use the </a:t>
+            </a:r>
+            <a:r>
+              <a:rPr lang="en-US" dirty="0" err="1"/>
+              <a:t>kubeconfig</a:t>
+            </a:r>
+            <a:r>
+              <a:rPr lang="en-US" dirty="0"/>
+              <a:t> to access the cluster and deploy the tiller-server. But be careful with namespaces and specify where your tiller-server should run.</a:t>
+            </a:r>
+          </a:p>
+          <a:p>
+            <a:endParaRPr lang="en-US" dirty="0"/>
+          </a:p>
+          <a:p>
+            <a:r>
+              <a:rPr lang="en-US" dirty="0"/>
+              <a:t>To use helm, you need the pre-packages software in so called charts. A chart is a description of how to deploy &amp; parameterize an application. This includes </a:t>
+            </a:r>
+            <a:r>
+              <a:rPr lang="en-US" dirty="0" err="1"/>
+              <a:t>yaml</a:t>
+            </a:r>
+            <a:r>
+              <a:rPr lang="en-US" dirty="0"/>
+              <a:t> templates for pods, services or </a:t>
+            </a:r>
+            <a:r>
+              <a:rPr lang="en-US" dirty="0" err="1"/>
+              <a:t>configMaps</a:t>
+            </a:r>
+            <a:r>
+              <a:rPr lang="en-US" dirty="0"/>
+              <a:t>.</a:t>
+            </a:r>
+          </a:p>
+          <a:p>
+            <a:r>
+              <a:rPr lang="en-US" dirty="0"/>
+              <a:t>Upon installation of the chart, there is a go-templating engine evaluating the given parameters and substituting variables.</a:t>
+            </a:r>
+          </a:p>
+          <a:p>
+            <a:endParaRPr lang="en-US" dirty="0"/>
+          </a:p>
+          <a:p>
             <a:endParaRPr lang="en-US" dirty="0"/>
           </a:p>
         </p:txBody>
@@ -777,6 +837,98 @@
 </file>
 
 <file path=ppt/notesSlides/notesSlide4.xml><?xml version="1.0" encoding="utf-8"?>
+<p:notes xmlns:a="http://schemas.openxmlformats.org/drawingml/2006/main" xmlns:r="http://schemas.openxmlformats.org/officeDocument/2006/relationships" xmlns:p="http://schemas.openxmlformats.org/presentationml/2006/main">
+  <p:cSld>
+    <p:spTree>
+      <p:nvGrpSpPr>
+        <p:cNvPr id="1" name=""/>
+        <p:cNvGrpSpPr/>
+        <p:nvPr/>
+      </p:nvGrpSpPr>
+      <p:grpSpPr>
+        <a:xfrm>
+          <a:off x="0" y="0"/>
+          <a:ext cx="0" cy="0"/>
+          <a:chOff x="0" y="0"/>
+          <a:chExt cx="0" cy="0"/>
+        </a:xfrm>
+      </p:grpSpPr>
+      <p:sp>
+        <p:nvSpPr>
+          <p:cNvPr id="2" name="Slide Image Placeholder 1"/>
+          <p:cNvSpPr>
+            <a:spLocks noGrp="1" noRot="1" noChangeAspect="1"/>
+          </p:cNvSpPr>
+          <p:nvPr>
+            <p:ph type="sldImg"/>
+          </p:nvPr>
+        </p:nvSpPr>
+        <p:spPr/>
+      </p:sp>
+      <p:sp>
+        <p:nvSpPr>
+          <p:cNvPr id="3" name="Notes Placeholder 2"/>
+          <p:cNvSpPr>
+            <a:spLocks noGrp="1"/>
+          </p:cNvSpPr>
+          <p:nvPr>
+            <p:ph type="body" idx="1"/>
+          </p:nvPr>
+        </p:nvSpPr>
+        <p:spPr/>
+        <p:txBody>
+          <a:bodyPr/>
+          <a:lstStyle/>
+          <a:p>
+            <a:r>
+              <a:rPr lang="en-US" dirty="0"/>
+              <a:t>Helm charts can be stored locally or in </a:t>
+            </a:r>
+            <a:r>
+              <a:rPr lang="en-US"/>
+              <a:t>a repository.</a:t>
+            </a:r>
+          </a:p>
+        </p:txBody>
+      </p:sp>
+      <p:sp>
+        <p:nvSpPr>
+          <p:cNvPr id="4" name="Slide Number Placeholder 3"/>
+          <p:cNvSpPr>
+            <a:spLocks noGrp="1"/>
+          </p:cNvSpPr>
+          <p:nvPr>
+            <p:ph type="sldNum" sz="quarter" idx="10"/>
+          </p:nvPr>
+        </p:nvSpPr>
+        <p:spPr/>
+        <p:txBody>
+          <a:bodyPr/>
+          <a:lstStyle/>
+          <a:p>
+            <a:fld id="{7D8C2C35-2B8A-446E-BEC0-FD36716C29AC}" type="slidenum">
+              <a:rPr lang="de-DE" smtClean="0"/>
+              <a:pPr/>
+              <a:t>5</a:t>
+            </a:fld>
+            <a:endParaRPr lang="de-DE" dirty="0"/>
+          </a:p>
+        </p:txBody>
+      </p:sp>
+    </p:spTree>
+    <p:extLst>
+      <p:ext uri="{BB962C8B-B14F-4D97-AF65-F5344CB8AC3E}">
+        <p14:creationId xmlns:p14="http://schemas.microsoft.com/office/powerpoint/2010/main" val="1096285440"/>
+      </p:ext>
+    </p:extLst>
+  </p:cSld>
+  <p:clrMapOvr>
+    <a:masterClrMapping/>
+  </p:clrMapOvr>
+</p:notes>
+</file>
+
+<file path=ppt/notesSlides/notesSlide5.xml><?xml version="1.0" encoding="utf-8"?>
 <p:notes xmlns:a="http://schemas.openxmlformats.org/drawingml/2006/main" xmlns:r="http://schemas.openxmlformats.org/officeDocument/2006/relationships" xmlns:p="http://schemas.openxmlformats.org/presentationml/2006/main">
   <p:cSld>
     <p:spTree>
@@ -14324,13 +14476,8 @@
             </a:r>
             <a:r>
               <a:rPr lang="en-US" dirty="0"/>
-              <a:t> (a Microsoft company), </a:t>
-            </a:r>
-            <a:r>
-              <a:rPr lang="en-US" dirty="0"/>
-              <a:t>handed over to CNCF by now</a:t>
-            </a:r>
-            <a:endParaRPr lang="en-US" dirty="0"/>
+              <a:t> (a Microsoft company), handed over to CNCF by now</a:t>
+            </a:r>
           </a:p>
           <a:p>
             <a:pPr marL="342900" indent="-342900">
